--- a/Presentación/Basuras Inteligentes.pptx
+++ b/Presentación/Basuras Inteligentes.pptx
@@ -5,7 +5,7 @@
     <p:sldMasterId id="2147483696" r:id="rId1"/>
   </p:sldMasterIdLst>
   <p:notesMasterIdLst>
-    <p:notesMasterId r:id="rId15"/>
+    <p:notesMasterId r:id="rId16"/>
   </p:notesMasterIdLst>
   <p:sldIdLst>
     <p:sldId id="256" r:id="rId2"/>
@@ -19,22 +19,23 @@
     <p:sldId id="264" r:id="rId10"/>
     <p:sldId id="265" r:id="rId11"/>
     <p:sldId id="266" r:id="rId12"/>
-    <p:sldId id="267" r:id="rId13"/>
-    <p:sldId id="268" r:id="rId14"/>
+    <p:sldId id="269" r:id="rId13"/>
+    <p:sldId id="267" r:id="rId14"/>
+    <p:sldId id="268" r:id="rId15"/>
   </p:sldIdLst>
   <p:sldSz cx="9144000" cy="5143500" type="screen16x9"/>
   <p:notesSz cx="6858000" cy="9144000"/>
   <p:embeddedFontLst>
     <p:embeddedFont>
       <p:font typeface="Trebuchet MS" panose="020B0603020202020204" pitchFamily="34" charset="0"/>
-      <p:regular r:id="rId16"/>
-      <p:bold r:id="rId17"/>
-      <p:italic r:id="rId18"/>
-      <p:boldItalic r:id="rId19"/>
+      <p:regular r:id="rId17"/>
+      <p:bold r:id="rId18"/>
+      <p:italic r:id="rId19"/>
+      <p:boldItalic r:id="rId20"/>
     </p:embeddedFont>
     <p:embeddedFont>
       <p:font typeface="Wingdings 3" panose="05040102010807070707" pitchFamily="18" charset="2"/>
-      <p:regular r:id="rId20"/>
+      <p:regular r:id="rId21"/>
     </p:embeddedFont>
   </p:embeddedFontLst>
   <p:defaultTextStyle>
@@ -4915,6 +4916,10 @@
             </a:lvl9pPr>
           </a:lstStyle>
           <a:p>
+            <a:r>
+              <a:rPr lang="es-ES"/>
+              <a:t>Haga clic para modificar el estilo de título del patrón</a:t>
+            </a:r>
             <a:endParaRPr/>
           </a:p>
         </p:txBody>
@@ -5042,7 +5047,11 @@
             </a:lvl9pPr>
           </a:lstStyle>
           <a:p>
-            <a:endParaRPr/>
+            <a:pPr lvl="0"/>
+            <a:r>
+              <a:rPr lang="es-ES"/>
+              <a:t>Editar los estilos de texto del patrón</a:t>
+            </a:r>
           </a:p>
         </p:txBody>
       </p:sp>
@@ -8685,7 +8694,7 @@
         </p:nvSpPr>
         <p:spPr>
           <a:xfrm>
-            <a:off x="522688" y="1597875"/>
+            <a:off x="533198" y="1391288"/>
             <a:ext cx="3396000" cy="2541600"/>
           </a:xfrm>
           <a:prstGeom prst="rect">
@@ -8709,7 +8718,11 @@
             </a:pPr>
             <a:r>
               <a:rPr lang="es" sz="1600" dirty="0"/>
-              <a:t>Se desarrolló un proyecto basado en componentes, se lograron desarrollar los componentes de interacción humano máquina, ubicación geoespacial, control del nivel de basuras, generación de rutas óptimas para la recolección de las basuras y una correcta gestión de la información.</a:t>
+              <a:t>Se desarrolló un proyecto basado en componentes, se lograron desarrollar los componentes de interacción humano máquina, ubicación geoespacial, control del nivel de basuras, generación de rutas óptimas para la recolección de las basuras y una correcta gestión de la información. </a:t>
+            </a:r>
+            <a:r>
+              <a:rPr lang="es-CO" sz="1600" dirty="0"/>
+              <a:t>Los costos asociados al prototipo representaron una cuantía mínima </a:t>
             </a:r>
             <a:endParaRPr sz="1600" dirty="0"/>
           </a:p>
@@ -8834,6 +8847,1342 @@
   <p:cSld>
     <p:spTree>
       <p:nvGrpSpPr>
+        <p:cNvPr id="1" name=""/>
+        <p:cNvGrpSpPr/>
+        <p:nvPr/>
+      </p:nvGrpSpPr>
+      <p:grpSpPr>
+        <a:xfrm>
+          <a:off x="0" y="0"/>
+          <a:ext cx="0" cy="0"/>
+          <a:chOff x="0" y="0"/>
+          <a:chExt cx="0" cy="0"/>
+        </a:xfrm>
+      </p:grpSpPr>
+      <p:sp>
+        <p:nvSpPr>
+          <p:cNvPr id="2" name="Título 1">
+            <a:extLst>
+              <a:ext uri="{FF2B5EF4-FFF2-40B4-BE49-F238E27FC236}">
+                <a16:creationId xmlns:a16="http://schemas.microsoft.com/office/drawing/2014/main" id="{E9F0D010-CB7B-4BA6-8184-C95A7E736560}"/>
+              </a:ext>
+            </a:extLst>
+          </p:cNvPr>
+          <p:cNvSpPr>
+            <a:spLocks noGrp="1"/>
+          </p:cNvSpPr>
+          <p:nvPr>
+            <p:ph type="title"/>
+          </p:nvPr>
+        </p:nvSpPr>
+        <p:spPr/>
+        <p:txBody>
+          <a:bodyPr/>
+          <a:lstStyle/>
+          <a:p>
+            <a:r>
+              <a:rPr lang="es-CO" dirty="0"/>
+              <a:t>Costos y materiales </a:t>
+            </a:r>
+          </a:p>
+        </p:txBody>
+      </p:sp>
+      <p:graphicFrame>
+        <p:nvGraphicFramePr>
+          <p:cNvPr id="4" name="Tabla 3">
+            <a:extLst>
+              <a:ext uri="{FF2B5EF4-FFF2-40B4-BE49-F238E27FC236}">
+                <a16:creationId xmlns:a16="http://schemas.microsoft.com/office/drawing/2014/main" id="{27706D03-6E3C-4ED0-981A-D304540682A8}"/>
+              </a:ext>
+            </a:extLst>
+          </p:cNvPr>
+          <p:cNvGraphicFramePr>
+            <a:graphicFrameLocks noGrp="1"/>
+          </p:cNvGraphicFramePr>
+          <p:nvPr>
+            <p:extLst>
+              <p:ext uri="{D42A27DB-BD31-4B8C-83A1-F6EECF244321}">
+                <p14:modId xmlns:p14="http://schemas.microsoft.com/office/powerpoint/2010/main" val="2041463031"/>
+              </p:ext>
+            </p:extLst>
+          </p:nvPr>
+        </p:nvGraphicFramePr>
+        <p:xfrm>
+          <a:off x="2185503" y="1805907"/>
+          <a:ext cx="4772994" cy="2909886"/>
+        </p:xfrm>
+        <a:graphic>
+          <a:graphicData uri="http://schemas.openxmlformats.org/drawingml/2006/table">
+            <a:tbl>
+              <a:tblPr>
+                <a:tableStyleId>{5C22544A-7EE6-4342-B048-85BDC9FD1C3A}</a:tableStyleId>
+              </a:tblPr>
+              <a:tblGrid>
+                <a:gridCol w="1863624">
+                  <a:extLst>
+                    <a:ext uri="{9D8B030D-6E8A-4147-A177-3AD203B41FA5}">
+                      <a16:colId xmlns:a16="http://schemas.microsoft.com/office/drawing/2014/main" val="3320800801"/>
+                    </a:ext>
+                  </a:extLst>
+                </a:gridCol>
+                <a:gridCol w="585688">
+                  <a:extLst>
+                    <a:ext uri="{9D8B030D-6E8A-4147-A177-3AD203B41FA5}">
+                      <a16:colId xmlns:a16="http://schemas.microsoft.com/office/drawing/2014/main" val="1984719467"/>
+                    </a:ext>
+                  </a:extLst>
+                </a:gridCol>
+                <a:gridCol w="1118802">
+                  <a:extLst>
+                    <a:ext uri="{9D8B030D-6E8A-4147-A177-3AD203B41FA5}">
+                      <a16:colId xmlns:a16="http://schemas.microsoft.com/office/drawing/2014/main" val="3234298977"/>
+                    </a:ext>
+                  </a:extLst>
+                </a:gridCol>
+                <a:gridCol w="1204880">
+                  <a:extLst>
+                    <a:ext uri="{9D8B030D-6E8A-4147-A177-3AD203B41FA5}">
+                      <a16:colId xmlns:a16="http://schemas.microsoft.com/office/drawing/2014/main" val="1106099538"/>
+                    </a:ext>
+                  </a:extLst>
+                </a:gridCol>
+              </a:tblGrid>
+              <a:tr h="426662">
+                <a:tc>
+                  <a:txBody>
+                    <a:bodyPr/>
+                    <a:lstStyle/>
+                    <a:p>
+                      <a:pPr algn="ctr">
+                        <a:lnSpc>
+                          <a:spcPct val="115000"/>
+                        </a:lnSpc>
+                        <a:spcAft>
+                          <a:spcPts val="0"/>
+                        </a:spcAft>
+                      </a:pPr>
+                      <a:r>
+                        <a:rPr lang="es-ES" sz="900" dirty="0">
+                          <a:effectLst/>
+                        </a:rPr>
+                        <a:t>Elemento Tecnológico</a:t>
+                      </a:r>
+                      <a:endParaRPr lang="es-CO" sz="900" dirty="0">
+                        <a:effectLst/>
+                        <a:latin typeface="Arial" panose="020B0604020202020204" pitchFamily="34" charset="0"/>
+                        <a:ea typeface="Arial" panose="020B0604020202020204" pitchFamily="34" charset="0"/>
+                      </a:endParaRPr>
+                    </a:p>
+                  </a:txBody>
+                  <a:tcPr marL="52857" marR="52857" marT="52857" marB="52857"/>
+                </a:tc>
+                <a:tc>
+                  <a:txBody>
+                    <a:bodyPr/>
+                    <a:lstStyle/>
+                    <a:p>
+                      <a:pPr algn="ctr">
+                        <a:lnSpc>
+                          <a:spcPct val="115000"/>
+                        </a:lnSpc>
+                        <a:spcAft>
+                          <a:spcPts val="0"/>
+                        </a:spcAft>
+                      </a:pPr>
+                      <a:r>
+                        <a:rPr lang="es-ES" sz="900">
+                          <a:effectLst/>
+                        </a:rPr>
+                        <a:t>Cantidad</a:t>
+                      </a:r>
+                      <a:endParaRPr lang="es-CO" sz="900">
+                        <a:effectLst/>
+                        <a:latin typeface="Arial" panose="020B0604020202020204" pitchFamily="34" charset="0"/>
+                        <a:ea typeface="Arial" panose="020B0604020202020204" pitchFamily="34" charset="0"/>
+                      </a:endParaRPr>
+                    </a:p>
+                  </a:txBody>
+                  <a:tcPr marL="52857" marR="52857" marT="52857" marB="52857"/>
+                </a:tc>
+                <a:tc>
+                  <a:txBody>
+                    <a:bodyPr/>
+                    <a:lstStyle/>
+                    <a:p>
+                      <a:pPr algn="ctr">
+                        <a:lnSpc>
+                          <a:spcPct val="115000"/>
+                        </a:lnSpc>
+                        <a:spcAft>
+                          <a:spcPts val="0"/>
+                        </a:spcAft>
+                      </a:pPr>
+                      <a:r>
+                        <a:rPr lang="es-ES" sz="900">
+                          <a:effectLst/>
+                        </a:rPr>
+                        <a:t>Valor Unitario</a:t>
+                      </a:r>
+                      <a:endParaRPr lang="es-CO" sz="900">
+                        <a:effectLst/>
+                        <a:latin typeface="Arial" panose="020B0604020202020204" pitchFamily="34" charset="0"/>
+                        <a:ea typeface="Arial" panose="020B0604020202020204" pitchFamily="34" charset="0"/>
+                      </a:endParaRPr>
+                    </a:p>
+                  </a:txBody>
+                  <a:tcPr marL="52857" marR="52857" marT="52857" marB="52857"/>
+                </a:tc>
+                <a:tc>
+                  <a:txBody>
+                    <a:bodyPr/>
+                    <a:lstStyle/>
+                    <a:p>
+                      <a:pPr algn="ctr">
+                        <a:lnSpc>
+                          <a:spcPct val="115000"/>
+                        </a:lnSpc>
+                        <a:spcAft>
+                          <a:spcPts val="0"/>
+                        </a:spcAft>
+                      </a:pPr>
+                      <a:r>
+                        <a:rPr lang="es-ES" sz="900">
+                          <a:effectLst/>
+                        </a:rPr>
+                        <a:t>Valor Total</a:t>
+                      </a:r>
+                      <a:endParaRPr lang="es-CO" sz="900">
+                        <a:effectLst/>
+                        <a:latin typeface="Arial" panose="020B0604020202020204" pitchFamily="34" charset="0"/>
+                        <a:ea typeface="Arial" panose="020B0604020202020204" pitchFamily="34" charset="0"/>
+                      </a:endParaRPr>
+                    </a:p>
+                  </a:txBody>
+                  <a:tcPr marL="52857" marR="52857" marT="52857" marB="52857"/>
+                </a:tc>
+                <a:extLst>
+                  <a:ext uri="{0D108BD9-81ED-4DB2-BD59-A6C34878D82A}">
+                    <a16:rowId xmlns:a16="http://schemas.microsoft.com/office/drawing/2014/main" val="1873742752"/>
+                  </a:ext>
+                </a:extLst>
+              </a:tr>
+              <a:tr h="266188">
+                <a:tc>
+                  <a:txBody>
+                    <a:bodyPr/>
+                    <a:lstStyle/>
+                    <a:p>
+                      <a:pPr algn="ctr">
+                        <a:lnSpc>
+                          <a:spcPct val="115000"/>
+                        </a:lnSpc>
+                        <a:spcAft>
+                          <a:spcPts val="0"/>
+                        </a:spcAft>
+                      </a:pPr>
+                      <a:r>
+                        <a:rPr lang="es-ES" sz="900">
+                          <a:effectLst/>
+                        </a:rPr>
+                        <a:t>Protoboard</a:t>
+                      </a:r>
+                      <a:endParaRPr lang="es-CO" sz="900">
+                        <a:effectLst/>
+                        <a:latin typeface="Arial" panose="020B0604020202020204" pitchFamily="34" charset="0"/>
+                        <a:ea typeface="Arial" panose="020B0604020202020204" pitchFamily="34" charset="0"/>
+                      </a:endParaRPr>
+                    </a:p>
+                  </a:txBody>
+                  <a:tcPr marL="52857" marR="52857" marT="52857" marB="52857"/>
+                </a:tc>
+                <a:tc>
+                  <a:txBody>
+                    <a:bodyPr/>
+                    <a:lstStyle/>
+                    <a:p>
+                      <a:pPr algn="ctr">
+                        <a:lnSpc>
+                          <a:spcPct val="115000"/>
+                        </a:lnSpc>
+                        <a:spcAft>
+                          <a:spcPts val="0"/>
+                        </a:spcAft>
+                      </a:pPr>
+                      <a:r>
+                        <a:rPr lang="es-ES" sz="900" dirty="0">
+                          <a:effectLst/>
+                        </a:rPr>
+                        <a:t>1</a:t>
+                      </a:r>
+                      <a:endParaRPr lang="es-CO" sz="900" dirty="0">
+                        <a:effectLst/>
+                        <a:latin typeface="Arial" panose="020B0604020202020204" pitchFamily="34" charset="0"/>
+                        <a:ea typeface="Arial" panose="020B0604020202020204" pitchFamily="34" charset="0"/>
+                      </a:endParaRPr>
+                    </a:p>
+                  </a:txBody>
+                  <a:tcPr marL="52857" marR="52857" marT="52857" marB="52857"/>
+                </a:tc>
+                <a:tc>
+                  <a:txBody>
+                    <a:bodyPr/>
+                    <a:lstStyle/>
+                    <a:p>
+                      <a:pPr algn="ctr">
+                        <a:lnSpc>
+                          <a:spcPct val="115000"/>
+                        </a:lnSpc>
+                        <a:spcAft>
+                          <a:spcPts val="0"/>
+                        </a:spcAft>
+                      </a:pPr>
+                      <a:r>
+                        <a:rPr lang="es-ES" sz="900">
+                          <a:effectLst/>
+                        </a:rPr>
+                        <a:t>$ 11’000</a:t>
+                      </a:r>
+                      <a:endParaRPr lang="es-CO" sz="900">
+                        <a:effectLst/>
+                        <a:latin typeface="Arial" panose="020B0604020202020204" pitchFamily="34" charset="0"/>
+                        <a:ea typeface="Arial" panose="020B0604020202020204" pitchFamily="34" charset="0"/>
+                      </a:endParaRPr>
+                    </a:p>
+                  </a:txBody>
+                  <a:tcPr marL="52857" marR="52857" marT="52857" marB="52857"/>
+                </a:tc>
+                <a:tc>
+                  <a:txBody>
+                    <a:bodyPr/>
+                    <a:lstStyle/>
+                    <a:p>
+                      <a:pPr algn="ctr">
+                        <a:lnSpc>
+                          <a:spcPct val="115000"/>
+                        </a:lnSpc>
+                        <a:spcAft>
+                          <a:spcPts val="0"/>
+                        </a:spcAft>
+                      </a:pPr>
+                      <a:r>
+                        <a:rPr lang="es-ES" sz="900">
+                          <a:effectLst/>
+                        </a:rPr>
+                        <a:t>$ 11’000</a:t>
+                      </a:r>
+                      <a:endParaRPr lang="es-CO" sz="900">
+                        <a:effectLst/>
+                        <a:latin typeface="Arial" panose="020B0604020202020204" pitchFamily="34" charset="0"/>
+                        <a:ea typeface="Arial" panose="020B0604020202020204" pitchFamily="34" charset="0"/>
+                      </a:endParaRPr>
+                    </a:p>
+                  </a:txBody>
+                  <a:tcPr marL="52857" marR="52857" marT="52857" marB="52857"/>
+                </a:tc>
+                <a:extLst>
+                  <a:ext uri="{0D108BD9-81ED-4DB2-BD59-A6C34878D82A}">
+                    <a16:rowId xmlns:a16="http://schemas.microsoft.com/office/drawing/2014/main" val="1869303622"/>
+                  </a:ext>
+                </a:extLst>
+              </a:tr>
+              <a:tr h="266188">
+                <a:tc>
+                  <a:txBody>
+                    <a:bodyPr/>
+                    <a:lstStyle/>
+                    <a:p>
+                      <a:pPr algn="ctr">
+                        <a:lnSpc>
+                          <a:spcPct val="115000"/>
+                        </a:lnSpc>
+                        <a:spcAft>
+                          <a:spcPts val="0"/>
+                        </a:spcAft>
+                      </a:pPr>
+                      <a:r>
+                        <a:rPr lang="es-ES" sz="900">
+                          <a:effectLst/>
+                        </a:rPr>
+                        <a:t>Módulo GPS</a:t>
+                      </a:r>
+                      <a:endParaRPr lang="es-CO" sz="900">
+                        <a:effectLst/>
+                        <a:latin typeface="Arial" panose="020B0604020202020204" pitchFamily="34" charset="0"/>
+                        <a:ea typeface="Arial" panose="020B0604020202020204" pitchFamily="34" charset="0"/>
+                      </a:endParaRPr>
+                    </a:p>
+                  </a:txBody>
+                  <a:tcPr marL="52857" marR="52857" marT="52857" marB="52857"/>
+                </a:tc>
+                <a:tc>
+                  <a:txBody>
+                    <a:bodyPr/>
+                    <a:lstStyle/>
+                    <a:p>
+                      <a:pPr algn="ctr">
+                        <a:lnSpc>
+                          <a:spcPct val="115000"/>
+                        </a:lnSpc>
+                        <a:spcAft>
+                          <a:spcPts val="0"/>
+                        </a:spcAft>
+                      </a:pPr>
+                      <a:r>
+                        <a:rPr lang="es-ES" sz="900">
+                          <a:effectLst/>
+                        </a:rPr>
+                        <a:t>1</a:t>
+                      </a:r>
+                      <a:endParaRPr lang="es-CO" sz="900">
+                        <a:effectLst/>
+                        <a:latin typeface="Arial" panose="020B0604020202020204" pitchFamily="34" charset="0"/>
+                        <a:ea typeface="Arial" panose="020B0604020202020204" pitchFamily="34" charset="0"/>
+                      </a:endParaRPr>
+                    </a:p>
+                  </a:txBody>
+                  <a:tcPr marL="52857" marR="52857" marT="52857" marB="52857"/>
+                </a:tc>
+                <a:tc>
+                  <a:txBody>
+                    <a:bodyPr/>
+                    <a:lstStyle/>
+                    <a:p>
+                      <a:pPr algn="ctr">
+                        <a:lnSpc>
+                          <a:spcPct val="115000"/>
+                        </a:lnSpc>
+                        <a:spcAft>
+                          <a:spcPts val="0"/>
+                        </a:spcAft>
+                      </a:pPr>
+                      <a:r>
+                        <a:rPr lang="es-ES" sz="900">
+                          <a:effectLst/>
+                        </a:rPr>
+                        <a:t>$ 39’000</a:t>
+                      </a:r>
+                      <a:endParaRPr lang="es-CO" sz="900">
+                        <a:effectLst/>
+                        <a:latin typeface="Arial" panose="020B0604020202020204" pitchFamily="34" charset="0"/>
+                        <a:ea typeface="Arial" panose="020B0604020202020204" pitchFamily="34" charset="0"/>
+                      </a:endParaRPr>
+                    </a:p>
+                  </a:txBody>
+                  <a:tcPr marL="52857" marR="52857" marT="52857" marB="52857"/>
+                </a:tc>
+                <a:tc>
+                  <a:txBody>
+                    <a:bodyPr/>
+                    <a:lstStyle/>
+                    <a:p>
+                      <a:pPr algn="ctr">
+                        <a:lnSpc>
+                          <a:spcPct val="115000"/>
+                        </a:lnSpc>
+                        <a:spcAft>
+                          <a:spcPts val="0"/>
+                        </a:spcAft>
+                      </a:pPr>
+                      <a:r>
+                        <a:rPr lang="es-ES" sz="900">
+                          <a:effectLst/>
+                        </a:rPr>
+                        <a:t>$ 39’000</a:t>
+                      </a:r>
+                      <a:endParaRPr lang="es-CO" sz="900">
+                        <a:effectLst/>
+                        <a:latin typeface="Arial" panose="020B0604020202020204" pitchFamily="34" charset="0"/>
+                        <a:ea typeface="Arial" panose="020B0604020202020204" pitchFamily="34" charset="0"/>
+                      </a:endParaRPr>
+                    </a:p>
+                  </a:txBody>
+                  <a:tcPr marL="52857" marR="52857" marT="52857" marB="52857"/>
+                </a:tc>
+                <a:extLst>
+                  <a:ext uri="{0D108BD9-81ED-4DB2-BD59-A6C34878D82A}">
+                    <a16:rowId xmlns:a16="http://schemas.microsoft.com/office/drawing/2014/main" val="3692335784"/>
+                  </a:ext>
+                </a:extLst>
+              </a:tr>
+              <a:tr h="309954">
+                <a:tc>
+                  <a:txBody>
+                    <a:bodyPr/>
+                    <a:lstStyle/>
+                    <a:p>
+                      <a:pPr algn="ctr">
+                        <a:lnSpc>
+                          <a:spcPct val="115000"/>
+                        </a:lnSpc>
+                        <a:spcAft>
+                          <a:spcPts val="0"/>
+                        </a:spcAft>
+                      </a:pPr>
+                      <a:r>
+                        <a:rPr lang="es-ES" sz="900">
+                          <a:effectLst/>
+                        </a:rPr>
+                        <a:t>Sensor Ultrasonido</a:t>
+                      </a:r>
+                      <a:r>
+                        <a:rPr lang="es-CO" sz="1200">
+                          <a:effectLst/>
+                        </a:rPr>
+                        <a:t> </a:t>
+                      </a:r>
+                      <a:endParaRPr lang="es-CO" sz="900">
+                        <a:effectLst/>
+                        <a:latin typeface="Arial" panose="020B0604020202020204" pitchFamily="34" charset="0"/>
+                        <a:ea typeface="Arial" panose="020B0604020202020204" pitchFamily="34" charset="0"/>
+                      </a:endParaRPr>
+                    </a:p>
+                  </a:txBody>
+                  <a:tcPr marL="52857" marR="52857" marT="52857" marB="52857"/>
+                </a:tc>
+                <a:tc>
+                  <a:txBody>
+                    <a:bodyPr/>
+                    <a:lstStyle/>
+                    <a:p>
+                      <a:pPr algn="ctr">
+                        <a:lnSpc>
+                          <a:spcPct val="115000"/>
+                        </a:lnSpc>
+                        <a:spcAft>
+                          <a:spcPts val="0"/>
+                        </a:spcAft>
+                      </a:pPr>
+                      <a:r>
+                        <a:rPr lang="es-ES" sz="900">
+                          <a:effectLst/>
+                        </a:rPr>
+                        <a:t>1</a:t>
+                      </a:r>
+                      <a:endParaRPr lang="es-CO" sz="900">
+                        <a:effectLst/>
+                        <a:latin typeface="Arial" panose="020B0604020202020204" pitchFamily="34" charset="0"/>
+                        <a:ea typeface="Arial" panose="020B0604020202020204" pitchFamily="34" charset="0"/>
+                      </a:endParaRPr>
+                    </a:p>
+                  </a:txBody>
+                  <a:tcPr marL="52857" marR="52857" marT="52857" marB="52857"/>
+                </a:tc>
+                <a:tc>
+                  <a:txBody>
+                    <a:bodyPr/>
+                    <a:lstStyle/>
+                    <a:p>
+                      <a:pPr algn="ctr">
+                        <a:lnSpc>
+                          <a:spcPct val="115000"/>
+                        </a:lnSpc>
+                        <a:spcAft>
+                          <a:spcPts val="0"/>
+                        </a:spcAft>
+                      </a:pPr>
+                      <a:r>
+                        <a:rPr lang="es-ES" sz="900">
+                          <a:effectLst/>
+                        </a:rPr>
+                        <a:t>$ 5’000</a:t>
+                      </a:r>
+                      <a:endParaRPr lang="es-CO" sz="900">
+                        <a:effectLst/>
+                        <a:latin typeface="Arial" panose="020B0604020202020204" pitchFamily="34" charset="0"/>
+                        <a:ea typeface="Arial" panose="020B0604020202020204" pitchFamily="34" charset="0"/>
+                      </a:endParaRPr>
+                    </a:p>
+                  </a:txBody>
+                  <a:tcPr marL="52857" marR="52857" marT="52857" marB="52857"/>
+                </a:tc>
+                <a:tc>
+                  <a:txBody>
+                    <a:bodyPr/>
+                    <a:lstStyle/>
+                    <a:p>
+                      <a:pPr algn="ctr">
+                        <a:lnSpc>
+                          <a:spcPct val="115000"/>
+                        </a:lnSpc>
+                        <a:spcAft>
+                          <a:spcPts val="0"/>
+                        </a:spcAft>
+                      </a:pPr>
+                      <a:r>
+                        <a:rPr lang="es-ES" sz="900">
+                          <a:effectLst/>
+                        </a:rPr>
+                        <a:t>$ 5’000</a:t>
+                      </a:r>
+                      <a:endParaRPr lang="es-CO" sz="900">
+                        <a:effectLst/>
+                        <a:latin typeface="Arial" panose="020B0604020202020204" pitchFamily="34" charset="0"/>
+                        <a:ea typeface="Arial" panose="020B0604020202020204" pitchFamily="34" charset="0"/>
+                      </a:endParaRPr>
+                    </a:p>
+                  </a:txBody>
+                  <a:tcPr marL="52857" marR="52857" marT="52857" marB="52857"/>
+                </a:tc>
+                <a:extLst>
+                  <a:ext uri="{0D108BD9-81ED-4DB2-BD59-A6C34878D82A}">
+                    <a16:rowId xmlns:a16="http://schemas.microsoft.com/office/drawing/2014/main" val="3014498670"/>
+                  </a:ext>
+                </a:extLst>
+              </a:tr>
+              <a:tr h="266188">
+                <a:tc>
+                  <a:txBody>
+                    <a:bodyPr/>
+                    <a:lstStyle/>
+                    <a:p>
+                      <a:pPr algn="ctr">
+                        <a:lnSpc>
+                          <a:spcPct val="115000"/>
+                        </a:lnSpc>
+                        <a:spcAft>
+                          <a:spcPts val="0"/>
+                        </a:spcAft>
+                      </a:pPr>
+                      <a:r>
+                        <a:rPr lang="es-ES" sz="900">
+                          <a:effectLst/>
+                        </a:rPr>
+                        <a:t>Jumpers</a:t>
+                      </a:r>
+                      <a:endParaRPr lang="es-CO" sz="900">
+                        <a:effectLst/>
+                        <a:latin typeface="Arial" panose="020B0604020202020204" pitchFamily="34" charset="0"/>
+                        <a:ea typeface="Arial" panose="020B0604020202020204" pitchFamily="34" charset="0"/>
+                      </a:endParaRPr>
+                    </a:p>
+                  </a:txBody>
+                  <a:tcPr marL="52857" marR="52857" marT="52857" marB="52857"/>
+                </a:tc>
+                <a:tc>
+                  <a:txBody>
+                    <a:bodyPr/>
+                    <a:lstStyle/>
+                    <a:p>
+                      <a:pPr algn="ctr">
+                        <a:lnSpc>
+                          <a:spcPct val="115000"/>
+                        </a:lnSpc>
+                        <a:spcAft>
+                          <a:spcPts val="0"/>
+                        </a:spcAft>
+                      </a:pPr>
+                      <a:r>
+                        <a:rPr lang="es-ES" sz="900">
+                          <a:effectLst/>
+                        </a:rPr>
+                        <a:t>18</a:t>
+                      </a:r>
+                      <a:endParaRPr lang="es-CO" sz="900">
+                        <a:effectLst/>
+                        <a:latin typeface="Arial" panose="020B0604020202020204" pitchFamily="34" charset="0"/>
+                        <a:ea typeface="Arial" panose="020B0604020202020204" pitchFamily="34" charset="0"/>
+                      </a:endParaRPr>
+                    </a:p>
+                  </a:txBody>
+                  <a:tcPr marL="52857" marR="52857" marT="52857" marB="52857"/>
+                </a:tc>
+                <a:tc>
+                  <a:txBody>
+                    <a:bodyPr/>
+                    <a:lstStyle/>
+                    <a:p>
+                      <a:pPr algn="ctr">
+                        <a:lnSpc>
+                          <a:spcPct val="115000"/>
+                        </a:lnSpc>
+                        <a:spcAft>
+                          <a:spcPts val="0"/>
+                        </a:spcAft>
+                      </a:pPr>
+                      <a:r>
+                        <a:rPr lang="es-ES" sz="900">
+                          <a:effectLst/>
+                        </a:rPr>
+                        <a:t>$ 300</a:t>
+                      </a:r>
+                      <a:endParaRPr lang="es-CO" sz="900">
+                        <a:effectLst/>
+                        <a:latin typeface="Arial" panose="020B0604020202020204" pitchFamily="34" charset="0"/>
+                        <a:ea typeface="Arial" panose="020B0604020202020204" pitchFamily="34" charset="0"/>
+                      </a:endParaRPr>
+                    </a:p>
+                  </a:txBody>
+                  <a:tcPr marL="52857" marR="52857" marT="52857" marB="52857"/>
+                </a:tc>
+                <a:tc>
+                  <a:txBody>
+                    <a:bodyPr/>
+                    <a:lstStyle/>
+                    <a:p>
+                      <a:pPr algn="ctr">
+                        <a:lnSpc>
+                          <a:spcPct val="115000"/>
+                        </a:lnSpc>
+                        <a:spcAft>
+                          <a:spcPts val="0"/>
+                        </a:spcAft>
+                      </a:pPr>
+                      <a:r>
+                        <a:rPr lang="es-ES" sz="900">
+                          <a:effectLst/>
+                        </a:rPr>
+                        <a:t>$ 5’400</a:t>
+                      </a:r>
+                      <a:endParaRPr lang="es-CO" sz="900">
+                        <a:effectLst/>
+                        <a:latin typeface="Arial" panose="020B0604020202020204" pitchFamily="34" charset="0"/>
+                        <a:ea typeface="Arial" panose="020B0604020202020204" pitchFamily="34" charset="0"/>
+                      </a:endParaRPr>
+                    </a:p>
+                  </a:txBody>
+                  <a:tcPr marL="52857" marR="52857" marT="52857" marB="52857"/>
+                </a:tc>
+                <a:extLst>
+                  <a:ext uri="{0D108BD9-81ED-4DB2-BD59-A6C34878D82A}">
+                    <a16:rowId xmlns:a16="http://schemas.microsoft.com/office/drawing/2014/main" val="421825378"/>
+                  </a:ext>
+                </a:extLst>
+              </a:tr>
+              <a:tr h="266188">
+                <a:tc>
+                  <a:txBody>
+                    <a:bodyPr/>
+                    <a:lstStyle/>
+                    <a:p>
+                      <a:pPr algn="ctr">
+                        <a:lnSpc>
+                          <a:spcPct val="115000"/>
+                        </a:lnSpc>
+                        <a:spcAft>
+                          <a:spcPts val="0"/>
+                        </a:spcAft>
+                      </a:pPr>
+                      <a:r>
+                        <a:rPr lang="es-ES" sz="900">
+                          <a:effectLst/>
+                        </a:rPr>
+                        <a:t>Cable para Protoboard</a:t>
+                      </a:r>
+                      <a:endParaRPr lang="es-CO" sz="900">
+                        <a:effectLst/>
+                        <a:latin typeface="Arial" panose="020B0604020202020204" pitchFamily="34" charset="0"/>
+                        <a:ea typeface="Arial" panose="020B0604020202020204" pitchFamily="34" charset="0"/>
+                      </a:endParaRPr>
+                    </a:p>
+                  </a:txBody>
+                  <a:tcPr marL="52857" marR="52857" marT="52857" marB="52857"/>
+                </a:tc>
+                <a:tc>
+                  <a:txBody>
+                    <a:bodyPr/>
+                    <a:lstStyle/>
+                    <a:p>
+                      <a:pPr algn="ctr">
+                        <a:lnSpc>
+                          <a:spcPct val="115000"/>
+                        </a:lnSpc>
+                        <a:spcAft>
+                          <a:spcPts val="0"/>
+                        </a:spcAft>
+                      </a:pPr>
+                      <a:r>
+                        <a:rPr lang="es-ES" sz="900">
+                          <a:effectLst/>
+                        </a:rPr>
+                        <a:t>1</a:t>
+                      </a:r>
+                      <a:endParaRPr lang="es-CO" sz="900">
+                        <a:effectLst/>
+                        <a:latin typeface="Arial" panose="020B0604020202020204" pitchFamily="34" charset="0"/>
+                        <a:ea typeface="Arial" panose="020B0604020202020204" pitchFamily="34" charset="0"/>
+                      </a:endParaRPr>
+                    </a:p>
+                  </a:txBody>
+                  <a:tcPr marL="52857" marR="52857" marT="52857" marB="52857"/>
+                </a:tc>
+                <a:tc>
+                  <a:txBody>
+                    <a:bodyPr/>
+                    <a:lstStyle/>
+                    <a:p>
+                      <a:pPr algn="ctr">
+                        <a:lnSpc>
+                          <a:spcPct val="115000"/>
+                        </a:lnSpc>
+                        <a:spcAft>
+                          <a:spcPts val="0"/>
+                        </a:spcAft>
+                      </a:pPr>
+                      <a:r>
+                        <a:rPr lang="es-ES" sz="900">
+                          <a:effectLst/>
+                        </a:rPr>
+                        <a:t>$ 1’000</a:t>
+                      </a:r>
+                      <a:endParaRPr lang="es-CO" sz="900">
+                        <a:effectLst/>
+                        <a:latin typeface="Arial" panose="020B0604020202020204" pitchFamily="34" charset="0"/>
+                        <a:ea typeface="Arial" panose="020B0604020202020204" pitchFamily="34" charset="0"/>
+                      </a:endParaRPr>
+                    </a:p>
+                  </a:txBody>
+                  <a:tcPr marL="52857" marR="52857" marT="52857" marB="52857"/>
+                </a:tc>
+                <a:tc>
+                  <a:txBody>
+                    <a:bodyPr/>
+                    <a:lstStyle/>
+                    <a:p>
+                      <a:pPr algn="ctr">
+                        <a:lnSpc>
+                          <a:spcPct val="115000"/>
+                        </a:lnSpc>
+                        <a:spcAft>
+                          <a:spcPts val="0"/>
+                        </a:spcAft>
+                      </a:pPr>
+                      <a:r>
+                        <a:rPr lang="es-ES" sz="900">
+                          <a:effectLst/>
+                        </a:rPr>
+                        <a:t>$ 1’000</a:t>
+                      </a:r>
+                      <a:endParaRPr lang="es-CO" sz="900">
+                        <a:effectLst/>
+                        <a:latin typeface="Arial" panose="020B0604020202020204" pitchFamily="34" charset="0"/>
+                        <a:ea typeface="Arial" panose="020B0604020202020204" pitchFamily="34" charset="0"/>
+                      </a:endParaRPr>
+                    </a:p>
+                  </a:txBody>
+                  <a:tcPr marL="52857" marR="52857" marT="52857" marB="52857"/>
+                </a:tc>
+                <a:extLst>
+                  <a:ext uri="{0D108BD9-81ED-4DB2-BD59-A6C34878D82A}">
+                    <a16:rowId xmlns:a16="http://schemas.microsoft.com/office/drawing/2014/main" val="1922118006"/>
+                  </a:ext>
+                </a:extLst>
+              </a:tr>
+              <a:tr h="266188">
+                <a:tc>
+                  <a:txBody>
+                    <a:bodyPr/>
+                    <a:lstStyle/>
+                    <a:p>
+                      <a:pPr algn="ctr">
+                        <a:lnSpc>
+                          <a:spcPct val="115000"/>
+                        </a:lnSpc>
+                        <a:spcAft>
+                          <a:spcPts val="0"/>
+                        </a:spcAft>
+                      </a:pPr>
+                      <a:r>
+                        <a:rPr lang="es-ES" sz="900">
+                          <a:effectLst/>
+                        </a:rPr>
+                        <a:t>Arduino UNO</a:t>
+                      </a:r>
+                      <a:r>
+                        <a:rPr lang="es-CO" sz="900">
+                          <a:effectLst/>
+                        </a:rPr>
+                        <a:t> </a:t>
+                      </a:r>
+                      <a:endParaRPr lang="es-CO" sz="900">
+                        <a:effectLst/>
+                        <a:latin typeface="Arial" panose="020B0604020202020204" pitchFamily="34" charset="0"/>
+                        <a:ea typeface="Arial" panose="020B0604020202020204" pitchFamily="34" charset="0"/>
+                      </a:endParaRPr>
+                    </a:p>
+                  </a:txBody>
+                  <a:tcPr marL="52857" marR="52857" marT="52857" marB="52857"/>
+                </a:tc>
+                <a:tc>
+                  <a:txBody>
+                    <a:bodyPr/>
+                    <a:lstStyle/>
+                    <a:p>
+                      <a:pPr algn="ctr">
+                        <a:lnSpc>
+                          <a:spcPct val="115000"/>
+                        </a:lnSpc>
+                        <a:spcAft>
+                          <a:spcPts val="0"/>
+                        </a:spcAft>
+                      </a:pPr>
+                      <a:r>
+                        <a:rPr lang="es-ES" sz="900">
+                          <a:effectLst/>
+                        </a:rPr>
+                        <a:t>1</a:t>
+                      </a:r>
+                      <a:endParaRPr lang="es-CO" sz="900">
+                        <a:effectLst/>
+                        <a:latin typeface="Arial" panose="020B0604020202020204" pitchFamily="34" charset="0"/>
+                        <a:ea typeface="Arial" panose="020B0604020202020204" pitchFamily="34" charset="0"/>
+                      </a:endParaRPr>
+                    </a:p>
+                  </a:txBody>
+                  <a:tcPr marL="52857" marR="52857" marT="52857" marB="52857"/>
+                </a:tc>
+                <a:tc>
+                  <a:txBody>
+                    <a:bodyPr/>
+                    <a:lstStyle/>
+                    <a:p>
+                      <a:pPr algn="ctr">
+                        <a:lnSpc>
+                          <a:spcPct val="115000"/>
+                        </a:lnSpc>
+                        <a:spcAft>
+                          <a:spcPts val="0"/>
+                        </a:spcAft>
+                      </a:pPr>
+                      <a:r>
+                        <a:rPr lang="es-ES" sz="900">
+                          <a:effectLst/>
+                        </a:rPr>
+                        <a:t>$ 26’000</a:t>
+                      </a:r>
+                      <a:endParaRPr lang="es-CO" sz="900">
+                        <a:effectLst/>
+                        <a:latin typeface="Arial" panose="020B0604020202020204" pitchFamily="34" charset="0"/>
+                        <a:ea typeface="Arial" panose="020B0604020202020204" pitchFamily="34" charset="0"/>
+                      </a:endParaRPr>
+                    </a:p>
+                  </a:txBody>
+                  <a:tcPr marL="52857" marR="52857" marT="52857" marB="52857"/>
+                </a:tc>
+                <a:tc>
+                  <a:txBody>
+                    <a:bodyPr/>
+                    <a:lstStyle/>
+                    <a:p>
+                      <a:pPr algn="ctr">
+                        <a:lnSpc>
+                          <a:spcPct val="115000"/>
+                        </a:lnSpc>
+                        <a:spcAft>
+                          <a:spcPts val="0"/>
+                        </a:spcAft>
+                      </a:pPr>
+                      <a:r>
+                        <a:rPr lang="es-ES" sz="900">
+                          <a:effectLst/>
+                        </a:rPr>
+                        <a:t>$ 26’000</a:t>
+                      </a:r>
+                      <a:endParaRPr lang="es-CO" sz="900">
+                        <a:effectLst/>
+                        <a:latin typeface="Arial" panose="020B0604020202020204" pitchFamily="34" charset="0"/>
+                        <a:ea typeface="Arial" panose="020B0604020202020204" pitchFamily="34" charset="0"/>
+                      </a:endParaRPr>
+                    </a:p>
+                  </a:txBody>
+                  <a:tcPr marL="52857" marR="52857" marT="52857" marB="52857"/>
+                </a:tc>
+                <a:extLst>
+                  <a:ext uri="{0D108BD9-81ED-4DB2-BD59-A6C34878D82A}">
+                    <a16:rowId xmlns:a16="http://schemas.microsoft.com/office/drawing/2014/main" val="218526494"/>
+                  </a:ext>
+                </a:extLst>
+              </a:tr>
+              <a:tr h="309954">
+                <a:tc>
+                  <a:txBody>
+                    <a:bodyPr/>
+                    <a:lstStyle/>
+                    <a:p>
+                      <a:pPr algn="ctr">
+                        <a:lnSpc>
+                          <a:spcPct val="115000"/>
+                        </a:lnSpc>
+                        <a:spcAft>
+                          <a:spcPts val="0"/>
+                        </a:spcAft>
+                      </a:pPr>
+                      <a:r>
+                        <a:rPr lang="es-ES" sz="900">
+                          <a:effectLst/>
+                        </a:rPr>
+                        <a:t>Mini Panel Solar</a:t>
+                      </a:r>
+                      <a:r>
+                        <a:rPr lang="es-CO" sz="1200">
+                          <a:effectLst/>
+                        </a:rPr>
+                        <a:t> </a:t>
+                      </a:r>
+                      <a:endParaRPr lang="es-CO" sz="900">
+                        <a:effectLst/>
+                        <a:latin typeface="Arial" panose="020B0604020202020204" pitchFamily="34" charset="0"/>
+                        <a:ea typeface="Arial" panose="020B0604020202020204" pitchFamily="34" charset="0"/>
+                      </a:endParaRPr>
+                    </a:p>
+                  </a:txBody>
+                  <a:tcPr marL="52857" marR="52857" marT="52857" marB="52857"/>
+                </a:tc>
+                <a:tc>
+                  <a:txBody>
+                    <a:bodyPr/>
+                    <a:lstStyle/>
+                    <a:p>
+                      <a:pPr algn="ctr">
+                        <a:lnSpc>
+                          <a:spcPct val="115000"/>
+                        </a:lnSpc>
+                        <a:spcAft>
+                          <a:spcPts val="0"/>
+                        </a:spcAft>
+                      </a:pPr>
+                      <a:r>
+                        <a:rPr lang="es-ES" sz="900">
+                          <a:effectLst/>
+                        </a:rPr>
+                        <a:t>1</a:t>
+                      </a:r>
+                      <a:endParaRPr lang="es-CO" sz="900">
+                        <a:effectLst/>
+                        <a:latin typeface="Arial" panose="020B0604020202020204" pitchFamily="34" charset="0"/>
+                        <a:ea typeface="Arial" panose="020B0604020202020204" pitchFamily="34" charset="0"/>
+                      </a:endParaRPr>
+                    </a:p>
+                  </a:txBody>
+                  <a:tcPr marL="52857" marR="52857" marT="52857" marB="52857"/>
+                </a:tc>
+                <a:tc>
+                  <a:txBody>
+                    <a:bodyPr/>
+                    <a:lstStyle/>
+                    <a:p>
+                      <a:pPr algn="ctr">
+                        <a:lnSpc>
+                          <a:spcPct val="115000"/>
+                        </a:lnSpc>
+                        <a:spcAft>
+                          <a:spcPts val="0"/>
+                        </a:spcAft>
+                      </a:pPr>
+                      <a:r>
+                        <a:rPr lang="es-ES" sz="900">
+                          <a:effectLst/>
+                        </a:rPr>
+                        <a:t>$ 14’000</a:t>
+                      </a:r>
+                      <a:endParaRPr lang="es-CO" sz="900">
+                        <a:effectLst/>
+                        <a:latin typeface="Arial" panose="020B0604020202020204" pitchFamily="34" charset="0"/>
+                        <a:ea typeface="Arial" panose="020B0604020202020204" pitchFamily="34" charset="0"/>
+                      </a:endParaRPr>
+                    </a:p>
+                  </a:txBody>
+                  <a:tcPr marL="52857" marR="52857" marT="52857" marB="52857"/>
+                </a:tc>
+                <a:tc>
+                  <a:txBody>
+                    <a:bodyPr/>
+                    <a:lstStyle/>
+                    <a:p>
+                      <a:pPr algn="ctr">
+                        <a:lnSpc>
+                          <a:spcPct val="115000"/>
+                        </a:lnSpc>
+                        <a:spcAft>
+                          <a:spcPts val="0"/>
+                        </a:spcAft>
+                      </a:pPr>
+                      <a:r>
+                        <a:rPr lang="es-ES" sz="900">
+                          <a:effectLst/>
+                        </a:rPr>
+                        <a:t>$ 14’000</a:t>
+                      </a:r>
+                      <a:endParaRPr lang="es-CO" sz="900">
+                        <a:effectLst/>
+                        <a:latin typeface="Arial" panose="020B0604020202020204" pitchFamily="34" charset="0"/>
+                        <a:ea typeface="Arial" panose="020B0604020202020204" pitchFamily="34" charset="0"/>
+                      </a:endParaRPr>
+                    </a:p>
+                  </a:txBody>
+                  <a:tcPr marL="52857" marR="52857" marT="52857" marB="52857"/>
+                </a:tc>
+                <a:extLst>
+                  <a:ext uri="{0D108BD9-81ED-4DB2-BD59-A6C34878D82A}">
+                    <a16:rowId xmlns:a16="http://schemas.microsoft.com/office/drawing/2014/main" val="2536453071"/>
+                  </a:ext>
+                </a:extLst>
+              </a:tr>
+              <a:tr h="266188">
+                <a:tc>
+                  <a:txBody>
+                    <a:bodyPr/>
+                    <a:lstStyle/>
+                    <a:p>
+                      <a:pPr algn="ctr">
+                        <a:lnSpc>
+                          <a:spcPct val="115000"/>
+                        </a:lnSpc>
+                        <a:spcAft>
+                          <a:spcPts val="0"/>
+                        </a:spcAft>
+                      </a:pPr>
+                      <a:r>
+                        <a:rPr lang="es-ES" sz="900">
+                          <a:effectLst/>
+                        </a:rPr>
+                        <a:t>Modulo WiFi</a:t>
+                      </a:r>
+                      <a:r>
+                        <a:rPr lang="es-CO" sz="900">
+                          <a:effectLst/>
+                        </a:rPr>
+                        <a:t> </a:t>
+                      </a:r>
+                      <a:endParaRPr lang="es-CO" sz="900">
+                        <a:effectLst/>
+                        <a:latin typeface="Arial" panose="020B0604020202020204" pitchFamily="34" charset="0"/>
+                        <a:ea typeface="Arial" panose="020B0604020202020204" pitchFamily="34" charset="0"/>
+                      </a:endParaRPr>
+                    </a:p>
+                  </a:txBody>
+                  <a:tcPr marL="52857" marR="52857" marT="52857" marB="52857"/>
+                </a:tc>
+                <a:tc>
+                  <a:txBody>
+                    <a:bodyPr/>
+                    <a:lstStyle/>
+                    <a:p>
+                      <a:pPr algn="ctr">
+                        <a:lnSpc>
+                          <a:spcPct val="115000"/>
+                        </a:lnSpc>
+                        <a:spcAft>
+                          <a:spcPts val="0"/>
+                        </a:spcAft>
+                      </a:pPr>
+                      <a:r>
+                        <a:rPr lang="es-ES" sz="900">
+                          <a:effectLst/>
+                        </a:rPr>
+                        <a:t>1</a:t>
+                      </a:r>
+                      <a:endParaRPr lang="es-CO" sz="900">
+                        <a:effectLst/>
+                        <a:latin typeface="Arial" panose="020B0604020202020204" pitchFamily="34" charset="0"/>
+                        <a:ea typeface="Arial" panose="020B0604020202020204" pitchFamily="34" charset="0"/>
+                      </a:endParaRPr>
+                    </a:p>
+                  </a:txBody>
+                  <a:tcPr marL="52857" marR="52857" marT="52857" marB="52857"/>
+                </a:tc>
+                <a:tc>
+                  <a:txBody>
+                    <a:bodyPr/>
+                    <a:lstStyle/>
+                    <a:p>
+                      <a:pPr algn="ctr">
+                        <a:lnSpc>
+                          <a:spcPct val="115000"/>
+                        </a:lnSpc>
+                        <a:spcAft>
+                          <a:spcPts val="0"/>
+                        </a:spcAft>
+                      </a:pPr>
+                      <a:r>
+                        <a:rPr lang="es-ES" sz="900">
+                          <a:effectLst/>
+                        </a:rPr>
+                        <a:t>$ 13’000</a:t>
+                      </a:r>
+                      <a:endParaRPr lang="es-CO" sz="900">
+                        <a:effectLst/>
+                        <a:latin typeface="Arial" panose="020B0604020202020204" pitchFamily="34" charset="0"/>
+                        <a:ea typeface="Arial" panose="020B0604020202020204" pitchFamily="34" charset="0"/>
+                      </a:endParaRPr>
+                    </a:p>
+                  </a:txBody>
+                  <a:tcPr marL="52857" marR="52857" marT="52857" marB="52857"/>
+                </a:tc>
+                <a:tc>
+                  <a:txBody>
+                    <a:bodyPr/>
+                    <a:lstStyle/>
+                    <a:p>
+                      <a:pPr algn="ctr">
+                        <a:lnSpc>
+                          <a:spcPct val="115000"/>
+                        </a:lnSpc>
+                        <a:spcAft>
+                          <a:spcPts val="0"/>
+                        </a:spcAft>
+                      </a:pPr>
+                      <a:r>
+                        <a:rPr lang="es-ES" sz="900">
+                          <a:effectLst/>
+                        </a:rPr>
+                        <a:t>$ 13’000</a:t>
+                      </a:r>
+                      <a:endParaRPr lang="es-CO" sz="900">
+                        <a:effectLst/>
+                        <a:latin typeface="Arial" panose="020B0604020202020204" pitchFamily="34" charset="0"/>
+                        <a:ea typeface="Arial" panose="020B0604020202020204" pitchFamily="34" charset="0"/>
+                      </a:endParaRPr>
+                    </a:p>
+                  </a:txBody>
+                  <a:tcPr marL="52857" marR="52857" marT="52857" marB="52857"/>
+                </a:tc>
+                <a:extLst>
+                  <a:ext uri="{0D108BD9-81ED-4DB2-BD59-A6C34878D82A}">
+                    <a16:rowId xmlns:a16="http://schemas.microsoft.com/office/drawing/2014/main" val="815055306"/>
+                  </a:ext>
+                </a:extLst>
+              </a:tr>
+              <a:tr h="266188">
+                <a:tc>
+                  <a:txBody>
+                    <a:bodyPr/>
+                    <a:lstStyle/>
+                    <a:p>
+                      <a:pPr algn="ctr">
+                        <a:lnSpc>
+                          <a:spcPct val="115000"/>
+                        </a:lnSpc>
+                        <a:spcAft>
+                          <a:spcPts val="0"/>
+                        </a:spcAft>
+                      </a:pPr>
+                      <a:r>
+                        <a:rPr lang="es-ES" sz="900">
+                          <a:effectLst/>
+                        </a:rPr>
+                        <a:t>Resistencias Eléctricas</a:t>
+                      </a:r>
+                      <a:endParaRPr lang="es-CO" sz="900">
+                        <a:effectLst/>
+                        <a:latin typeface="Arial" panose="020B0604020202020204" pitchFamily="34" charset="0"/>
+                        <a:ea typeface="Arial" panose="020B0604020202020204" pitchFamily="34" charset="0"/>
+                      </a:endParaRPr>
+                    </a:p>
+                  </a:txBody>
+                  <a:tcPr marL="52857" marR="52857" marT="52857" marB="52857"/>
+                </a:tc>
+                <a:tc>
+                  <a:txBody>
+                    <a:bodyPr/>
+                    <a:lstStyle/>
+                    <a:p>
+                      <a:pPr algn="ctr">
+                        <a:lnSpc>
+                          <a:spcPct val="115000"/>
+                        </a:lnSpc>
+                        <a:spcAft>
+                          <a:spcPts val="0"/>
+                        </a:spcAft>
+                      </a:pPr>
+                      <a:r>
+                        <a:rPr lang="es-ES" sz="900">
+                          <a:effectLst/>
+                        </a:rPr>
+                        <a:t>5</a:t>
+                      </a:r>
+                      <a:endParaRPr lang="es-CO" sz="900">
+                        <a:effectLst/>
+                        <a:latin typeface="Arial" panose="020B0604020202020204" pitchFamily="34" charset="0"/>
+                        <a:ea typeface="Arial" panose="020B0604020202020204" pitchFamily="34" charset="0"/>
+                      </a:endParaRPr>
+                    </a:p>
+                  </a:txBody>
+                  <a:tcPr marL="52857" marR="52857" marT="52857" marB="52857"/>
+                </a:tc>
+                <a:tc>
+                  <a:txBody>
+                    <a:bodyPr/>
+                    <a:lstStyle/>
+                    <a:p>
+                      <a:pPr algn="ctr">
+                        <a:lnSpc>
+                          <a:spcPct val="115000"/>
+                        </a:lnSpc>
+                        <a:spcAft>
+                          <a:spcPts val="0"/>
+                        </a:spcAft>
+                      </a:pPr>
+                      <a:r>
+                        <a:rPr lang="es-ES" sz="900">
+                          <a:effectLst/>
+                        </a:rPr>
+                        <a:t>$ 200</a:t>
+                      </a:r>
+                      <a:endParaRPr lang="es-CO" sz="900">
+                        <a:effectLst/>
+                        <a:latin typeface="Arial" panose="020B0604020202020204" pitchFamily="34" charset="0"/>
+                        <a:ea typeface="Arial" panose="020B0604020202020204" pitchFamily="34" charset="0"/>
+                      </a:endParaRPr>
+                    </a:p>
+                  </a:txBody>
+                  <a:tcPr marL="52857" marR="52857" marT="52857" marB="52857"/>
+                </a:tc>
+                <a:tc>
+                  <a:txBody>
+                    <a:bodyPr/>
+                    <a:lstStyle/>
+                    <a:p>
+                      <a:pPr algn="ctr">
+                        <a:lnSpc>
+                          <a:spcPct val="115000"/>
+                        </a:lnSpc>
+                        <a:spcAft>
+                          <a:spcPts val="0"/>
+                        </a:spcAft>
+                      </a:pPr>
+                      <a:r>
+                        <a:rPr lang="es-ES" sz="900" dirty="0">
+                          <a:effectLst/>
+                        </a:rPr>
+                        <a:t>$ 1’000</a:t>
+                      </a:r>
+                      <a:endParaRPr lang="es-CO" sz="900" dirty="0">
+                        <a:effectLst/>
+                        <a:latin typeface="Arial" panose="020B0604020202020204" pitchFamily="34" charset="0"/>
+                        <a:ea typeface="Arial" panose="020B0604020202020204" pitchFamily="34" charset="0"/>
+                      </a:endParaRPr>
+                    </a:p>
+                  </a:txBody>
+                  <a:tcPr marL="52857" marR="52857" marT="52857" marB="52857"/>
+                </a:tc>
+                <a:extLst>
+                  <a:ext uri="{0D108BD9-81ED-4DB2-BD59-A6C34878D82A}">
+                    <a16:rowId xmlns:a16="http://schemas.microsoft.com/office/drawing/2014/main" val="2882564695"/>
+                  </a:ext>
+                </a:extLst>
+              </a:tr>
+            </a:tbl>
+          </a:graphicData>
+        </a:graphic>
+      </p:graphicFrame>
+    </p:spTree>
+    <p:extLst>
+      <p:ext uri="{BB962C8B-B14F-4D97-AF65-F5344CB8AC3E}">
+        <p14:creationId xmlns:p14="http://schemas.microsoft.com/office/powerpoint/2010/main" val="2555918630"/>
+      </p:ext>
+    </p:extLst>
+  </p:cSld>
+  <p:clrMapOvr>
+    <a:masterClrMapping/>
+  </p:clrMapOvr>
+</p:sld>
+</file>
+
+<file path=ppt/slides/slide13.xml><?xml version="1.0" encoding="utf-8"?>
+<p:sld xmlns:a="http://schemas.openxmlformats.org/drawingml/2006/main" xmlns:r="http://schemas.openxmlformats.org/officeDocument/2006/relationships" xmlns:p="http://schemas.openxmlformats.org/presentationml/2006/main">
+  <p:cSld>
+    <p:spTree>
+      <p:nvGrpSpPr>
         <p:cNvPr id="1" name="Shape 357"/>
         <p:cNvGrpSpPr/>
         <p:nvPr/>
@@ -8986,7 +10335,7 @@
 </p:sld>
 </file>
 
-<file path=ppt/slides/slide13.xml><?xml version="1.0" encoding="utf-8"?>
+<file path=ppt/slides/slide14.xml><?xml version="1.0" encoding="utf-8"?>
 <p:sld xmlns:a="http://schemas.openxmlformats.org/drawingml/2006/main" xmlns:r="http://schemas.openxmlformats.org/officeDocument/2006/relationships" xmlns:p="http://schemas.openxmlformats.org/presentationml/2006/main">
   <p:cSld>
     <p:spTree>
